--- a/presentations/source/05-JAX-WS.pptx
+++ b/presentations/source/05-JAX-WS.pptx
@@ -220,7 +220,7 @@
             <a:fld id="{7307762F-A706-E543-A832-3C298AA3103F}" type="datetimeFigureOut">
               <a:rPr lang="en-US" smtClean="0"/>
               <a:pPr/>
-              <a:t>05/12/2012</a:t>
+              <a:t>11/27/13</a:t>
             </a:fld>
             <a:endParaRPr lang="en-US" dirty="0"/>
           </a:p>
@@ -787,7 +787,7 @@
           <a:p>
             <a:fld id="{875CF0EB-321F-0749-B37A-89BBA859503C}" type="datetimeFigureOut">
               <a:rPr lang="en-US" smtClean="0"/>
-              <a:t>05/12/2012</a:t>
+              <a:t>11/27/13</a:t>
             </a:fld>
             <a:endParaRPr lang="en-US"/>
           </a:p>
@@ -991,7 +991,7 @@
           <a:p>
             <a:fld id="{875CF0EB-321F-0749-B37A-89BBA859503C}" type="datetimeFigureOut">
               <a:rPr lang="en-US" smtClean="0"/>
-              <a:t>05/12/2012</a:t>
+              <a:t>11/27/13</a:t>
             </a:fld>
             <a:endParaRPr lang="en-US"/>
           </a:p>
@@ -1185,7 +1185,7 @@
           <a:p>
             <a:fld id="{875CF0EB-321F-0749-B37A-89BBA859503C}" type="datetimeFigureOut">
               <a:rPr lang="en-US" smtClean="0"/>
-              <a:t>05/12/2012</a:t>
+              <a:t>11/27/13</a:t>
             </a:fld>
             <a:endParaRPr lang="en-US"/>
           </a:p>
@@ -1455,7 +1455,7 @@
           <a:p>
             <a:fld id="{875CF0EB-321F-0749-B37A-89BBA859503C}" type="datetimeFigureOut">
               <a:rPr lang="en-US" smtClean="0"/>
-              <a:t>05/12/2012</a:t>
+              <a:t>11/27/13</a:t>
             </a:fld>
             <a:endParaRPr lang="en-US"/>
           </a:p>
@@ -1767,7 +1767,7 @@
           <a:p>
             <a:fld id="{875CF0EB-321F-0749-B37A-89BBA859503C}" type="datetimeFigureOut">
               <a:rPr lang="en-US" smtClean="0"/>
-              <a:t>05/12/2012</a:t>
+              <a:t>11/27/13</a:t>
             </a:fld>
             <a:endParaRPr lang="en-US"/>
           </a:p>
@@ -2213,7 +2213,7 @@
           <a:p>
             <a:fld id="{875CF0EB-321F-0749-B37A-89BBA859503C}" type="datetimeFigureOut">
               <a:rPr lang="en-US" smtClean="0"/>
-              <a:t>05/12/2012</a:t>
+              <a:t>11/27/13</a:t>
             </a:fld>
             <a:endParaRPr lang="en-US"/>
           </a:p>
@@ -2355,7 +2355,7 @@
           <a:p>
             <a:fld id="{875CF0EB-321F-0749-B37A-89BBA859503C}" type="datetimeFigureOut">
               <a:rPr lang="en-US" smtClean="0"/>
-              <a:t>05/12/2012</a:t>
+              <a:t>11/27/13</a:t>
             </a:fld>
             <a:endParaRPr lang="en-US"/>
           </a:p>
@@ -2474,7 +2474,7 @@
           <a:p>
             <a:fld id="{875CF0EB-321F-0749-B37A-89BBA859503C}" type="datetimeFigureOut">
               <a:rPr lang="en-US" smtClean="0"/>
-              <a:t>05/12/2012</a:t>
+              <a:t>11/27/13</a:t>
             </a:fld>
             <a:endParaRPr lang="en-US"/>
           </a:p>
@@ -2775,7 +2775,7 @@
           <a:p>
             <a:fld id="{875CF0EB-321F-0749-B37A-89BBA859503C}" type="datetimeFigureOut">
               <a:rPr lang="en-US" smtClean="0"/>
-              <a:t>05/12/2012</a:t>
+              <a:t>11/27/13</a:t>
             </a:fld>
             <a:endParaRPr lang="en-US"/>
           </a:p>
@@ -3052,7 +3052,7 @@
           <a:p>
             <a:fld id="{875CF0EB-321F-0749-B37A-89BBA859503C}" type="datetimeFigureOut">
               <a:rPr lang="en-US" smtClean="0"/>
-              <a:t>05/12/2012</a:t>
+              <a:t>11/27/13</a:t>
             </a:fld>
             <a:endParaRPr lang="en-US"/>
           </a:p>
@@ -3894,12 +3894,23 @@
           </a:p>
           <a:p>
             <a:r>
-              <a:rPr lang="en-US" dirty="0">
+              <a:rPr lang="en-US">
                 <a:ea typeface="ヒラギノ角ゴ ProN W3" charset="0"/>
                 <a:cs typeface="ヒラギノ角ゴ ProN W3" charset="0"/>
               </a:rPr>
-              <a:t>Dec 2012</a:t>
-            </a:r>
+              <a:t>Dec </a:t>
+            </a:r>
+            <a:r>
+              <a:rPr lang="en-US" smtClean="0">
+                <a:ea typeface="ヒラギノ角ゴ ProN W3" charset="0"/>
+                <a:cs typeface="ヒラギノ角ゴ ProN W3" charset="0"/>
+              </a:rPr>
+              <a:t>2013</a:t>
+            </a:r>
+            <a:endParaRPr lang="en-US" dirty="0">
+              <a:ea typeface="ヒラギノ角ゴ ProN W3" charset="0"/>
+              <a:cs typeface="ヒラギノ角ゴ ProN W3" charset="0"/>
+            </a:endParaRPr>
           </a:p>
           <a:p>
             <a:endParaRPr lang="en-US" dirty="0"/>

--- a/presentations/source/05-JAX-WS.pptx
+++ b/presentations/source/05-JAX-WS.pptx
@@ -220,7 +220,7 @@
             <a:fld id="{7307762F-A706-E543-A832-3C298AA3103F}" type="datetimeFigureOut">
               <a:rPr lang="en-US" smtClean="0"/>
               <a:pPr/>
-              <a:t>11/27/13</a:t>
+              <a:t>11/21/14</a:t>
             </a:fld>
             <a:endParaRPr lang="en-US" dirty="0"/>
           </a:p>
@@ -787,7 +787,7 @@
           <a:p>
             <a:fld id="{875CF0EB-321F-0749-B37A-89BBA859503C}" type="datetimeFigureOut">
               <a:rPr lang="en-US" smtClean="0"/>
-              <a:t>11/27/13</a:t>
+              <a:t>11/21/14</a:t>
             </a:fld>
             <a:endParaRPr lang="en-US"/>
           </a:p>
@@ -991,7 +991,7 @@
           <a:p>
             <a:fld id="{875CF0EB-321F-0749-B37A-89BBA859503C}" type="datetimeFigureOut">
               <a:rPr lang="en-US" smtClean="0"/>
-              <a:t>11/27/13</a:t>
+              <a:t>11/21/14</a:t>
             </a:fld>
             <a:endParaRPr lang="en-US"/>
           </a:p>
@@ -1185,7 +1185,7 @@
           <a:p>
             <a:fld id="{875CF0EB-321F-0749-B37A-89BBA859503C}" type="datetimeFigureOut">
               <a:rPr lang="en-US" smtClean="0"/>
-              <a:t>11/27/13</a:t>
+              <a:t>11/21/14</a:t>
             </a:fld>
             <a:endParaRPr lang="en-US"/>
           </a:p>
@@ -1455,7 +1455,7 @@
           <a:p>
             <a:fld id="{875CF0EB-321F-0749-B37A-89BBA859503C}" type="datetimeFigureOut">
               <a:rPr lang="en-US" smtClean="0"/>
-              <a:t>11/27/13</a:t>
+              <a:t>11/21/14</a:t>
             </a:fld>
             <a:endParaRPr lang="en-US"/>
           </a:p>
@@ -1767,7 +1767,7 @@
           <a:p>
             <a:fld id="{875CF0EB-321F-0749-B37A-89BBA859503C}" type="datetimeFigureOut">
               <a:rPr lang="en-US" smtClean="0"/>
-              <a:t>11/27/13</a:t>
+              <a:t>11/21/14</a:t>
             </a:fld>
             <a:endParaRPr lang="en-US"/>
           </a:p>
@@ -2213,7 +2213,7 @@
           <a:p>
             <a:fld id="{875CF0EB-321F-0749-B37A-89BBA859503C}" type="datetimeFigureOut">
               <a:rPr lang="en-US" smtClean="0"/>
-              <a:t>11/27/13</a:t>
+              <a:t>11/21/14</a:t>
             </a:fld>
             <a:endParaRPr lang="en-US"/>
           </a:p>
@@ -2355,7 +2355,7 @@
           <a:p>
             <a:fld id="{875CF0EB-321F-0749-B37A-89BBA859503C}" type="datetimeFigureOut">
               <a:rPr lang="en-US" smtClean="0"/>
-              <a:t>11/27/13</a:t>
+              <a:t>11/21/14</a:t>
             </a:fld>
             <a:endParaRPr lang="en-US"/>
           </a:p>
@@ -2474,7 +2474,7 @@
           <a:p>
             <a:fld id="{875CF0EB-321F-0749-B37A-89BBA859503C}" type="datetimeFigureOut">
               <a:rPr lang="en-US" smtClean="0"/>
-              <a:t>11/27/13</a:t>
+              <a:t>11/21/14</a:t>
             </a:fld>
             <a:endParaRPr lang="en-US"/>
           </a:p>
@@ -2775,7 +2775,7 @@
           <a:p>
             <a:fld id="{875CF0EB-321F-0749-B37A-89BBA859503C}" type="datetimeFigureOut">
               <a:rPr lang="en-US" smtClean="0"/>
-              <a:t>11/27/13</a:t>
+              <a:t>11/21/14</a:t>
             </a:fld>
             <a:endParaRPr lang="en-US"/>
           </a:p>
@@ -3052,7 +3052,7 @@
           <a:p>
             <a:fld id="{875CF0EB-321F-0749-B37A-89BBA859503C}" type="datetimeFigureOut">
               <a:rPr lang="en-US" smtClean="0"/>
-              <a:t>11/27/13</a:t>
+              <a:t>11/21/14</a:t>
             </a:fld>
             <a:endParaRPr lang="en-US"/>
           </a:p>
@@ -3905,7 +3905,7 @@
                 <a:ea typeface="ヒラギノ角ゴ ProN W3" charset="0"/>
                 <a:cs typeface="ヒラギノ角ゴ ProN W3" charset="0"/>
               </a:rPr>
-              <a:t>2013</a:t>
+              <a:t>2014</a:t>
             </a:r>
             <a:endParaRPr lang="en-US" dirty="0">
               <a:ea typeface="ヒラギノ角ゴ ProN W3" charset="0"/>

--- a/presentations/source/05-JAX-WS.pptx
+++ b/presentations/source/05-JAX-WS.pptx
@@ -220,7 +220,7 @@
             <a:fld id="{7307762F-A706-E543-A832-3C298AA3103F}" type="datetimeFigureOut">
               <a:rPr lang="en-US" smtClean="0"/>
               <a:pPr/>
-              <a:t>11/21/14</a:t>
+              <a:t>08/09/15</a:t>
             </a:fld>
             <a:endParaRPr lang="en-US" dirty="0"/>
           </a:p>
@@ -787,7 +787,7 @@
           <a:p>
             <a:fld id="{875CF0EB-321F-0749-B37A-89BBA859503C}" type="datetimeFigureOut">
               <a:rPr lang="en-US" smtClean="0"/>
-              <a:t>11/21/14</a:t>
+              <a:t>08/09/15</a:t>
             </a:fld>
             <a:endParaRPr lang="en-US"/>
           </a:p>
@@ -991,7 +991,7 @@
           <a:p>
             <a:fld id="{875CF0EB-321F-0749-B37A-89BBA859503C}" type="datetimeFigureOut">
               <a:rPr lang="en-US" smtClean="0"/>
-              <a:t>11/21/14</a:t>
+              <a:t>08/09/15</a:t>
             </a:fld>
             <a:endParaRPr lang="en-US"/>
           </a:p>
@@ -1185,7 +1185,7 @@
           <a:p>
             <a:fld id="{875CF0EB-321F-0749-B37A-89BBA859503C}" type="datetimeFigureOut">
               <a:rPr lang="en-US" smtClean="0"/>
-              <a:t>11/21/14</a:t>
+              <a:t>08/09/15</a:t>
             </a:fld>
             <a:endParaRPr lang="en-US"/>
           </a:p>
@@ -1455,7 +1455,7 @@
           <a:p>
             <a:fld id="{875CF0EB-321F-0749-B37A-89BBA859503C}" type="datetimeFigureOut">
               <a:rPr lang="en-US" smtClean="0"/>
-              <a:t>11/21/14</a:t>
+              <a:t>08/09/15</a:t>
             </a:fld>
             <a:endParaRPr lang="en-US"/>
           </a:p>
@@ -1767,7 +1767,7 @@
           <a:p>
             <a:fld id="{875CF0EB-321F-0749-B37A-89BBA859503C}" type="datetimeFigureOut">
               <a:rPr lang="en-US" smtClean="0"/>
-              <a:t>11/21/14</a:t>
+              <a:t>08/09/15</a:t>
             </a:fld>
             <a:endParaRPr lang="en-US"/>
           </a:p>
@@ -2213,7 +2213,7 @@
           <a:p>
             <a:fld id="{875CF0EB-321F-0749-B37A-89BBA859503C}" type="datetimeFigureOut">
               <a:rPr lang="en-US" smtClean="0"/>
-              <a:t>11/21/14</a:t>
+              <a:t>08/09/15</a:t>
             </a:fld>
             <a:endParaRPr lang="en-US"/>
           </a:p>
@@ -2355,7 +2355,7 @@
           <a:p>
             <a:fld id="{875CF0EB-321F-0749-B37A-89BBA859503C}" type="datetimeFigureOut">
               <a:rPr lang="en-US" smtClean="0"/>
-              <a:t>11/21/14</a:t>
+              <a:t>08/09/15</a:t>
             </a:fld>
             <a:endParaRPr lang="en-US"/>
           </a:p>
@@ -2474,7 +2474,7 @@
           <a:p>
             <a:fld id="{875CF0EB-321F-0749-B37A-89BBA859503C}" type="datetimeFigureOut">
               <a:rPr lang="en-US" smtClean="0"/>
-              <a:t>11/21/14</a:t>
+              <a:t>08/09/15</a:t>
             </a:fld>
             <a:endParaRPr lang="en-US"/>
           </a:p>
@@ -2775,7 +2775,7 @@
           <a:p>
             <a:fld id="{875CF0EB-321F-0749-B37A-89BBA859503C}" type="datetimeFigureOut">
               <a:rPr lang="en-US" smtClean="0"/>
-              <a:t>11/21/14</a:t>
+              <a:t>08/09/15</a:t>
             </a:fld>
             <a:endParaRPr lang="en-US"/>
           </a:p>
@@ -3052,7 +3052,7 @@
           <a:p>
             <a:fld id="{875CF0EB-321F-0749-B37A-89BBA859503C}" type="datetimeFigureOut">
               <a:rPr lang="en-US" smtClean="0"/>
-              <a:t>11/21/14</a:t>
+              <a:t>08/09/15</a:t>
             </a:fld>
             <a:endParaRPr lang="en-US"/>
           </a:p>
@@ -3894,18 +3894,11 @@
           </a:p>
           <a:p>
             <a:r>
-              <a:rPr lang="en-US">
-                <a:ea typeface="ヒラギノ角ゴ ProN W3" charset="0"/>
-                <a:cs typeface="ヒラギノ角ゴ ProN W3" charset="0"/>
-              </a:rPr>
-              <a:t>Dec </a:t>
-            </a:r>
-            <a:r>
               <a:rPr lang="en-US" smtClean="0">
                 <a:ea typeface="ヒラギノ角ゴ ProN W3" charset="0"/>
                 <a:cs typeface="ヒラギノ角ゴ ProN W3" charset="0"/>
               </a:rPr>
-              <a:t>2014</a:t>
+              <a:t>Sep 2015</a:t>
             </a:r>
             <a:endParaRPr lang="en-US" dirty="0">
               <a:ea typeface="ヒラギノ角ゴ ProN W3" charset="0"/>
